--- a/thumbnail.pptx
+++ b/thumbnail.pptx
@@ -259,7 +259,7 @@
           <a:p>
             <a:fld id="{4D72D512-BE45-534A-90D0-FFF6C6110A02}" type="datetimeFigureOut">
               <a:rPr lang="en-US" smtClean="0"/>
-              <a:t>5/4/20</a:t>
+              <a:t>5/9/20</a:t>
             </a:fld>
             <a:endParaRPr lang="en-US"/>
           </a:p>
@@ -457,7 +457,7 @@
           <a:p>
             <a:fld id="{4D72D512-BE45-534A-90D0-FFF6C6110A02}" type="datetimeFigureOut">
               <a:rPr lang="en-US" smtClean="0"/>
-              <a:t>5/4/20</a:t>
+              <a:t>5/9/20</a:t>
             </a:fld>
             <a:endParaRPr lang="en-US"/>
           </a:p>
@@ -665,7 +665,7 @@
           <a:p>
             <a:fld id="{4D72D512-BE45-534A-90D0-FFF6C6110A02}" type="datetimeFigureOut">
               <a:rPr lang="en-US" smtClean="0"/>
-              <a:t>5/4/20</a:t>
+              <a:t>5/9/20</a:t>
             </a:fld>
             <a:endParaRPr lang="en-US"/>
           </a:p>
@@ -863,7 +863,7 @@
           <a:p>
             <a:fld id="{4D72D512-BE45-534A-90D0-FFF6C6110A02}" type="datetimeFigureOut">
               <a:rPr lang="en-US" smtClean="0"/>
-              <a:t>5/4/20</a:t>
+              <a:t>5/9/20</a:t>
             </a:fld>
             <a:endParaRPr lang="en-US"/>
           </a:p>
@@ -1138,7 +1138,7 @@
           <a:p>
             <a:fld id="{4D72D512-BE45-534A-90D0-FFF6C6110A02}" type="datetimeFigureOut">
               <a:rPr lang="en-US" smtClean="0"/>
-              <a:t>5/4/20</a:t>
+              <a:t>5/9/20</a:t>
             </a:fld>
             <a:endParaRPr lang="en-US"/>
           </a:p>
@@ -1403,7 +1403,7 @@
           <a:p>
             <a:fld id="{4D72D512-BE45-534A-90D0-FFF6C6110A02}" type="datetimeFigureOut">
               <a:rPr lang="en-US" smtClean="0"/>
-              <a:t>5/4/20</a:t>
+              <a:t>5/9/20</a:t>
             </a:fld>
             <a:endParaRPr lang="en-US"/>
           </a:p>
@@ -1815,7 +1815,7 @@
           <a:p>
             <a:fld id="{4D72D512-BE45-534A-90D0-FFF6C6110A02}" type="datetimeFigureOut">
               <a:rPr lang="en-US" smtClean="0"/>
-              <a:t>5/4/20</a:t>
+              <a:t>5/9/20</a:t>
             </a:fld>
             <a:endParaRPr lang="en-US"/>
           </a:p>
@@ -1956,7 +1956,7 @@
           <a:p>
             <a:fld id="{4D72D512-BE45-534A-90D0-FFF6C6110A02}" type="datetimeFigureOut">
               <a:rPr lang="en-US" smtClean="0"/>
-              <a:t>5/4/20</a:t>
+              <a:t>5/9/20</a:t>
             </a:fld>
             <a:endParaRPr lang="en-US"/>
           </a:p>
@@ -2069,7 +2069,7 @@
           <a:p>
             <a:fld id="{4D72D512-BE45-534A-90D0-FFF6C6110A02}" type="datetimeFigureOut">
               <a:rPr lang="en-US" smtClean="0"/>
-              <a:t>5/4/20</a:t>
+              <a:t>5/9/20</a:t>
             </a:fld>
             <a:endParaRPr lang="en-US"/>
           </a:p>
@@ -2380,7 +2380,7 @@
           <a:p>
             <a:fld id="{4D72D512-BE45-534A-90D0-FFF6C6110A02}" type="datetimeFigureOut">
               <a:rPr lang="en-US" smtClean="0"/>
-              <a:t>5/4/20</a:t>
+              <a:t>5/9/20</a:t>
             </a:fld>
             <a:endParaRPr lang="en-US"/>
           </a:p>
@@ -2668,7 +2668,7 @@
           <a:p>
             <a:fld id="{4D72D512-BE45-534A-90D0-FFF6C6110A02}" type="datetimeFigureOut">
               <a:rPr lang="en-US" smtClean="0"/>
-              <a:t>5/4/20</a:t>
+              <a:t>5/9/20</a:t>
             </a:fld>
             <a:endParaRPr lang="en-US"/>
           </a:p>
@@ -2909,7 +2909,7 @@
           <a:p>
             <a:fld id="{4D72D512-BE45-534A-90D0-FFF6C6110A02}" type="datetimeFigureOut">
               <a:rPr lang="en-US" smtClean="0"/>
-              <a:t>5/4/20</a:t>
+              <a:t>5/9/20</a:t>
             </a:fld>
             <a:endParaRPr lang="en-US"/>
           </a:p>
@@ -3408,8 +3408,8 @@
         </p:nvSpPr>
         <p:spPr>
           <a:xfrm>
-            <a:off x="838334" y="1415057"/>
-            <a:ext cx="2784480" cy="954107"/>
+            <a:off x="308248" y="1496007"/>
+            <a:ext cx="3916772" cy="584775"/>
           </a:xfrm>
           <a:prstGeom prst="rect">
             <a:avLst/>
@@ -3424,7 +3424,7 @@
           <a:p>
             <a:pPr algn="ctr"/>
             <a:r>
-              <a:rPr lang="en-US" sz="2800" dirty="0">
+              <a:rPr lang="vi-VN" sz="3200" dirty="0">
                 <a:ln w="0"/>
                 <a:solidFill>
                   <a:schemeClr val="bg1">
@@ -3439,8 +3439,23 @@
                   </a:outerShdw>
                 </a:effectLst>
               </a:rPr>
-              <a:t>primary stress (test)</a:t>
-            </a:r>
+              <a:t>Bài tập</a:t>
+            </a:r>
+            <a:endParaRPr lang="en-US" sz="2000" dirty="0">
+              <a:ln w="0"/>
+              <a:solidFill>
+                <a:schemeClr val="bg1">
+                  <a:lumMod val="85000"/>
+                </a:schemeClr>
+              </a:solidFill>
+              <a:effectLst>
+                <a:outerShdw blurRad="38100" dist="19050" dir="2700000" algn="tl" rotWithShape="0">
+                  <a:schemeClr val="dk1">
+                    <a:alpha val="40000"/>
+                  </a:schemeClr>
+                </a:outerShdw>
+              </a:effectLst>
+            </a:endParaRPr>
           </a:p>
         </p:txBody>
       </p:sp>
@@ -3458,8 +3473,8 @@
         </p:nvSpPr>
         <p:spPr>
           <a:xfrm>
-            <a:off x="743357" y="609037"/>
-            <a:ext cx="2784480" cy="523220"/>
+            <a:off x="308248" y="905397"/>
+            <a:ext cx="3916772" cy="400110"/>
           </a:xfrm>
           <a:prstGeom prst="rect">
             <a:avLst/>
@@ -3474,7 +3489,7 @@
           <a:p>
             <a:pPr algn="ctr"/>
             <a:r>
-              <a:rPr lang="en-US" sz="2800" dirty="0">
+              <a:rPr lang="en-US" sz="2000" dirty="0">
                 <a:ln w="0"/>
                 <a:solidFill>
                   <a:srgbClr val="FFC000"/>
